--- a/GAB PAAS 2018.pptx
+++ b/GAB PAAS 2018.pptx
@@ -8,10 +8,10 @@
     <p:sldMasterId id="2147483885" r:id="rId7"/>
   </p:sldMasterIdLst>
   <p:notesMasterIdLst>
-    <p:notesMasterId r:id="rId18"/>
+    <p:notesMasterId r:id="rId17"/>
   </p:notesMasterIdLst>
   <p:handoutMasterIdLst>
-    <p:handoutMasterId r:id="rId19"/>
+    <p:handoutMasterId r:id="rId18"/>
   </p:handoutMasterIdLst>
   <p:sldIdLst>
     <p:sldId id="330" r:id="rId8"/>
@@ -22,8 +22,7 @@
     <p:sldId id="771" r:id="rId13"/>
     <p:sldId id="657" r:id="rId14"/>
     <p:sldId id="714" r:id="rId15"/>
-    <p:sldId id="767" r:id="rId16"/>
-    <p:sldId id="614" r:id="rId17"/>
+    <p:sldId id="614" r:id="rId16"/>
   </p:sldIdLst>
   <p:sldSz cx="12188825" cy="6858000"/>
   <p:notesSz cx="7023100" cy="9309100"/>
@@ -135,7 +134,6 @@
             <p14:sldId id="771"/>
             <p14:sldId id="657"/>
             <p14:sldId id="714"/>
-            <p14:sldId id="767"/>
             <p14:sldId id="614"/>
           </p14:sldIdLst>
         </p14:section>
@@ -7028,104 +7026,6 @@
 </p:notes>
 </file>
 
-<file path=ppt/notesSlides/notesSlide10.xml><?xml version="1.0" encoding="utf-8"?>
-<p:notes xmlns:a="http://schemas.openxmlformats.org/drawingml/2006/main" xmlns:r="http://schemas.openxmlformats.org/officeDocument/2006/relationships" xmlns:p="http://schemas.openxmlformats.org/presentationml/2006/main">
-  <p:cSld>
-    <p:spTree>
-      <p:nvGrpSpPr>
-        <p:cNvPr id="1" name=""/>
-        <p:cNvGrpSpPr/>
-        <p:nvPr/>
-      </p:nvGrpSpPr>
-      <p:grpSpPr>
-        <a:xfrm>
-          <a:off x="0" y="0"/>
-          <a:ext cx="0" cy="0"/>
-          <a:chOff x="0" y="0"/>
-          <a:chExt cx="0" cy="0"/>
-        </a:xfrm>
-      </p:grpSpPr>
-      <p:sp>
-        <p:nvSpPr>
-          <p:cNvPr id="2" name="Slide Image Placeholder 1"/>
-          <p:cNvSpPr>
-            <a:spLocks noGrp="1" noRot="1" noChangeAspect="1"/>
-          </p:cNvSpPr>
-          <p:nvPr>
-            <p:ph type="sldImg"/>
-          </p:nvPr>
-        </p:nvSpPr>
-        <p:spPr>
-          <a:xfrm>
-            <a:off x="409575" y="698500"/>
-            <a:ext cx="6203950" cy="3490913"/>
-          </a:xfrm>
-        </p:spPr>
-      </p:sp>
-      <p:sp>
-        <p:nvSpPr>
-          <p:cNvPr id="3" name="Notes Placeholder 2"/>
-          <p:cNvSpPr>
-            <a:spLocks noGrp="1"/>
-          </p:cNvSpPr>
-          <p:nvPr>
-            <p:ph type="body" idx="1"/>
-          </p:nvPr>
-        </p:nvSpPr>
-        <p:spPr/>
-        <p:txBody>
-          <a:bodyPr/>
-          <a:lstStyle/>
-          <a:p>
-            <a:endParaRPr lang="en-US" dirty="0"/>
-          </a:p>
-        </p:txBody>
-      </p:sp>
-      <p:sp>
-        <p:nvSpPr>
-          <p:cNvPr id="4" name="Slide Number Placeholder 3"/>
-          <p:cNvSpPr>
-            <a:spLocks noGrp="1"/>
-          </p:cNvSpPr>
-          <p:nvPr>
-            <p:ph type="sldNum" sz="quarter" idx="10"/>
-          </p:nvPr>
-        </p:nvSpPr>
-        <p:spPr/>
-        <p:txBody>
-          <a:bodyPr/>
-          <a:lstStyle/>
-          <a:p>
-            <a:fld id="{82AABF77-E2E4-44CA-BA5C-65E132CF08D8}" type="slidenum">
-              <a:rPr lang="en-US" smtClean="0">
-                <a:solidFill>
-                  <a:prstClr val="black"/>
-                </a:solidFill>
-              </a:rPr>
-              <a:pPr/>
-              <a:t>10</a:t>
-            </a:fld>
-            <a:endParaRPr lang="en-US" dirty="0">
-              <a:solidFill>
-                <a:prstClr val="black"/>
-              </a:solidFill>
-            </a:endParaRPr>
-          </a:p>
-        </p:txBody>
-      </p:sp>
-    </p:spTree>
-    <p:extLst>
-      <p:ext uri="{BB962C8B-B14F-4D97-AF65-F5344CB8AC3E}">
-        <p14:creationId xmlns:p14="http://schemas.microsoft.com/office/powerpoint/2010/main" val="1681448748"/>
-      </p:ext>
-    </p:extLst>
-  </p:cSld>
-  <p:clrMapOvr>
-    <a:masterClrMapping/>
-  </p:clrMapOvr>
-</p:notes>
-</file>
-
 <file path=ppt/notesSlides/notesSlide2.xml><?xml version="1.0" encoding="utf-8"?>
 <p:notes xmlns:a="http://schemas.openxmlformats.org/drawingml/2006/main" xmlns:r="http://schemas.openxmlformats.org/officeDocument/2006/relationships" xmlns:p="http://schemas.openxmlformats.org/presentationml/2006/main">
   <p:cSld>
@@ -8263,31 +8163,7 @@
           <a:bodyPr/>
           <a:lstStyle/>
           <a:p>
-            <a:r>
-              <a:rPr lang="en-US" sz="3000" dirty="0"/>
-              <a:t>Microsoft</a:t>
-            </a:r>
-            <a:r>
-              <a:rPr lang="en-US" sz="3000" baseline="0" dirty="0"/>
-              <a:t> for Startup é o </a:t>
-            </a:r>
-            <a:r>
-              <a:rPr lang="en-US" sz="3000" baseline="0" dirty="0" err="1"/>
-              <a:t>substituto</a:t>
-            </a:r>
-            <a:r>
-              <a:rPr lang="en-US" sz="3000" baseline="0" dirty="0"/>
-              <a:t> do </a:t>
-            </a:r>
-            <a:r>
-              <a:rPr lang="en-US" sz="3000" baseline="0" dirty="0" err="1"/>
-              <a:t>antigo</a:t>
-            </a:r>
-            <a:r>
-              <a:rPr lang="en-US" sz="3000" baseline="0" dirty="0"/>
-              <a:t> “Microsoft BizSpark”.</a:t>
-            </a:r>
-            <a:endParaRPr lang="en-US" sz="3000" dirty="0"/>
+            <a:endParaRPr lang="en-US" dirty="0"/>
           </a:p>
         </p:txBody>
       </p:sp>
@@ -8306,19 +8182,27 @@
           <a:bodyPr/>
           <a:lstStyle/>
           <a:p>
-            <a:fld id="{8B263312-38AA-4E1E-B2B5-0F8F122B24FE}" type="slidenum">
-              <a:rPr lang="en-US" smtClean="0"/>
+            <a:fld id="{82AABF77-E2E4-44CA-BA5C-65E132CF08D8}" type="slidenum">
+              <a:rPr lang="en-US" smtClean="0">
+                <a:solidFill>
+                  <a:prstClr val="black"/>
+                </a:solidFill>
+              </a:rPr>
               <a:pPr/>
               <a:t>9</a:t>
             </a:fld>
-            <a:endParaRPr lang="en-US" dirty="0"/>
+            <a:endParaRPr lang="en-US" dirty="0">
+              <a:solidFill>
+                <a:prstClr val="black"/>
+              </a:solidFill>
+            </a:endParaRPr>
           </a:p>
         </p:txBody>
       </p:sp>
     </p:spTree>
     <p:extLst>
       <p:ext uri="{BB962C8B-B14F-4D97-AF65-F5344CB8AC3E}">
-        <p14:creationId xmlns:p14="http://schemas.microsoft.com/office/powerpoint/2010/main" val="3218848364"/>
+        <p14:creationId xmlns:p14="http://schemas.microsoft.com/office/powerpoint/2010/main" val="1681448748"/>
       </p:ext>
     </p:extLst>
   </p:cSld>
@@ -23111,39 +22995,6 @@
 </p:sld>
 </file>
 
-<file path=ppt/slides/slide10.xml><?xml version="1.0" encoding="utf-8"?>
-<p:sld xmlns:a="http://schemas.openxmlformats.org/drawingml/2006/main" xmlns:r="http://schemas.openxmlformats.org/officeDocument/2006/relationships" xmlns:p="http://schemas.openxmlformats.org/presentationml/2006/main">
-  <p:cSld>
-    <p:spTree>
-      <p:nvGrpSpPr>
-        <p:cNvPr id="1" name=""/>
-        <p:cNvGrpSpPr/>
-        <p:nvPr/>
-      </p:nvGrpSpPr>
-      <p:grpSpPr>
-        <a:xfrm>
-          <a:off x="0" y="0"/>
-          <a:ext cx="0" cy="0"/>
-          <a:chOff x="0" y="0"/>
-          <a:chExt cx="0" cy="0"/>
-        </a:xfrm>
-      </p:grpSpPr>
-    </p:spTree>
-    <p:extLst>
-      <p:ext uri="{BB962C8B-B14F-4D97-AF65-F5344CB8AC3E}">
-        <p14:creationId xmlns:p14="http://schemas.microsoft.com/office/powerpoint/2010/main" val="4253275217"/>
-      </p:ext>
-    </p:extLst>
-  </p:cSld>
-  <p:clrMapOvr>
-    <a:masterClrMapping/>
-  </p:clrMapOvr>
-  <p:transition spd="med">
-    <p:fade/>
-  </p:transition>
-</p:sld>
-</file>
-
 <file path=ppt/slides/slide2.xml><?xml version="1.0" encoding="utf-8"?>
 <p:sld xmlns:a="http://schemas.openxmlformats.org/drawingml/2006/main" xmlns:r="http://schemas.openxmlformats.org/officeDocument/2006/relationships" xmlns:p="http://schemas.openxmlformats.org/presentationml/2006/main">
   <p:cSld>
@@ -24267,8 +24118,53 @@
                   </a:outerShdw>
                 </a:effectLst>
               </a:rPr>
-              <a:t>github.com/raslunardelli</a:t>
-            </a:r>
+              <a:t>github.com/</a:t>
+            </a:r>
+            <a:r>
+              <a:rPr lang="en-US" dirty="0" err="1">
+                <a:effectLst>
+                  <a:outerShdw blurRad="38100" dist="38100" dir="2700000" algn="tl">
+                    <a:srgbClr val="000000">
+                      <a:alpha val="43137"/>
+                    </a:srgbClr>
+                  </a:outerShdw>
+                </a:effectLst>
+              </a:rPr>
+              <a:t>raslunardelli</a:t>
+            </a:r>
+            <a:r>
+              <a:rPr lang="en-US" dirty="0">
+                <a:effectLst>
+                  <a:outerShdw blurRad="38100" dist="38100" dir="2700000" algn="tl">
+                    <a:srgbClr val="000000">
+                      <a:alpha val="43137"/>
+                    </a:srgbClr>
+                  </a:outerShdw>
+                </a:effectLst>
+              </a:rPr>
+              <a:t>/</a:t>
+            </a:r>
+            <a:r>
+              <a:rPr lang="en-US" dirty="0" err="1">
+                <a:effectLst>
+                  <a:outerShdw blurRad="38100" dist="38100" dir="2700000" algn="tl">
+                    <a:srgbClr val="000000">
+                      <a:alpha val="43137"/>
+                    </a:srgbClr>
+                  </a:outerShdw>
+                </a:effectLst>
+              </a:rPr>
+              <a:t>gabcwb</a:t>
+            </a:r>
+            <a:endParaRPr lang="en-US" dirty="0">
+              <a:effectLst>
+                <a:outerShdw blurRad="38100" dist="38100" dir="2700000" algn="tl">
+                  <a:srgbClr val="000000">
+                    <a:alpha val="43137"/>
+                  </a:srgbClr>
+                </a:outerShdw>
+              </a:effectLst>
+            </a:endParaRPr>
           </a:p>
         </p:txBody>
       </p:sp>
@@ -26981,161 +26877,10 @@
           <a:chExt cx="0" cy="0"/>
         </a:xfrm>
       </p:grpSpPr>
-      <p:sp>
-        <p:nvSpPr>
-          <p:cNvPr id="8" name="Text Placeholder 4"/>
-          <p:cNvSpPr>
-            <a:spLocks noGrp="1"/>
-          </p:cNvSpPr>
-          <p:nvPr>
-            <p:ph type="body" sz="quarter" idx="4294967295"/>
-          </p:nvPr>
-        </p:nvSpPr>
-        <p:spPr>
-          <a:xfrm>
-            <a:off x="6205765" y="3364786"/>
-            <a:ext cx="5591175" cy="1209562"/>
-          </a:xfrm>
-        </p:spPr>
-        <p:txBody>
-          <a:bodyPr/>
-          <a:lstStyle/>
-          <a:p>
-            <a:pPr marL="0" indent="0">
-              <a:buNone/>
-            </a:pPr>
-            <a:r>
-              <a:rPr lang="en-US" sz="4700" dirty="0">
-                <a:solidFill>
-                  <a:srgbClr val="92D050"/>
-                </a:solidFill>
-                <a:latin typeface="Segoe Pro Semibold" panose="020B0702040504020203" pitchFamily="34" charset="0"/>
-              </a:rPr>
-              <a:t>Microsoft 4 Startups</a:t>
-            </a:r>
-          </a:p>
-          <a:p>
-            <a:pPr marL="0" indent="0">
-              <a:buNone/>
-            </a:pPr>
-            <a:r>
-              <a:rPr lang="en-US" sz="3300" dirty="0"/>
-              <a:t>https://startups.microsoft.com</a:t>
-            </a:r>
-          </a:p>
-        </p:txBody>
-      </p:sp>
-      <p:pic>
-        <p:nvPicPr>
-          <p:cNvPr id="2" name="Picture 1"/>
-          <p:cNvPicPr>
-            <a:picLocks noChangeAspect="1"/>
-          </p:cNvPicPr>
-          <p:nvPr/>
-        </p:nvPicPr>
-        <p:blipFill rotWithShape="1">
-          <a:blip r:embed="rId3" cstate="print">
-            <a:extLst>
-              <a:ext uri="{28A0092B-C50C-407E-A947-70E740481C1C}">
-                <a14:useLocalDpi xmlns:a14="http://schemas.microsoft.com/office/drawing/2010/main" val="0"/>
-              </a:ext>
-            </a:extLst>
-          </a:blip>
-          <a:srcRect b="14927"/>
-          <a:stretch/>
-        </p:blipFill>
-        <p:spPr>
-          <a:xfrm>
-            <a:off x="935034" y="1023730"/>
-            <a:ext cx="4772722" cy="5834270"/>
-          </a:xfrm>
-          <a:prstGeom prst="rect">
-            <a:avLst/>
-          </a:prstGeom>
-        </p:spPr>
-      </p:pic>
-      <p:pic>
-        <p:nvPicPr>
-          <p:cNvPr id="4" name="Picture 3"/>
-          <p:cNvPicPr>
-            <a:picLocks noChangeAspect="1"/>
-          </p:cNvPicPr>
-          <p:nvPr/>
-        </p:nvPicPr>
-        <p:blipFill>
-          <a:blip r:embed="rId4">
-            <a:extLst>
-              <a:ext uri="{28A0092B-C50C-407E-A947-70E740481C1C}">
-                <a14:useLocalDpi xmlns:a14="http://schemas.microsoft.com/office/drawing/2010/main" val="0"/>
-              </a:ext>
-            </a:extLst>
-          </a:blip>
-          <a:stretch>
-            <a:fillRect/>
-          </a:stretch>
-        </p:blipFill>
-        <p:spPr>
-          <a:xfrm>
-            <a:off x="1179705" y="1365453"/>
-            <a:ext cx="4303443" cy="1828658"/>
-          </a:xfrm>
-          <a:prstGeom prst="rect">
-            <a:avLst/>
-          </a:prstGeom>
-        </p:spPr>
-      </p:pic>
-      <p:pic>
-        <p:nvPicPr>
-          <p:cNvPr id="5" name="Picture 4"/>
-          <p:cNvPicPr>
-            <a:picLocks noChangeAspect="1"/>
-          </p:cNvPicPr>
-          <p:nvPr/>
-        </p:nvPicPr>
-        <p:blipFill>
-          <a:blip r:embed="rId5"/>
-          <a:stretch>
-            <a:fillRect/>
-          </a:stretch>
-        </p:blipFill>
-        <p:spPr>
-          <a:xfrm>
-            <a:off x="4001099" y="2553291"/>
-            <a:ext cx="1360100" cy="640820"/>
-          </a:xfrm>
-          <a:prstGeom prst="rect">
-            <a:avLst/>
-          </a:prstGeom>
-        </p:spPr>
-      </p:pic>
-      <p:pic>
-        <p:nvPicPr>
-          <p:cNvPr id="6" name="Picture 5"/>
-          <p:cNvPicPr>
-            <a:picLocks noChangeAspect="1"/>
-          </p:cNvPicPr>
-          <p:nvPr/>
-        </p:nvPicPr>
-        <p:blipFill>
-          <a:blip r:embed="rId6"/>
-          <a:stretch>
-            <a:fillRect/>
-          </a:stretch>
-        </p:blipFill>
-        <p:spPr>
-          <a:xfrm>
-            <a:off x="1992649" y="3215304"/>
-            <a:ext cx="2688500" cy="869679"/>
-          </a:xfrm>
-          <a:prstGeom prst="rect">
-            <a:avLst/>
-          </a:prstGeom>
-        </p:spPr>
-      </p:pic>
     </p:spTree>
     <p:extLst>
       <p:ext uri="{BB962C8B-B14F-4D97-AF65-F5344CB8AC3E}">
-        <p14:creationId xmlns:p14="http://schemas.microsoft.com/office/powerpoint/2010/main" val="2828568548"/>
+        <p14:creationId xmlns:p14="http://schemas.microsoft.com/office/powerpoint/2010/main" val="4253275217"/>
       </p:ext>
     </p:extLst>
   </p:cSld>
@@ -27145,147 +26890,6 @@
   <p:transition spd="med">
     <p:fade/>
   </p:transition>
-  <p:timing>
-    <p:tnLst>
-      <p:par>
-        <p:cTn id="1" dur="indefinite" restart="never" nodeType="tmRoot">
-          <p:childTnLst>
-            <p:seq concurrent="1" nextAc="seek">
-              <p:cTn id="2" dur="indefinite" nodeType="mainSeq">
-                <p:childTnLst>
-                  <p:par>
-                    <p:cTn id="3" fill="hold">
-                      <p:stCondLst>
-                        <p:cond delay="indefinite"/>
-                        <p:cond evt="onBegin" delay="0">
-                          <p:tn val="2"/>
-                        </p:cond>
-                      </p:stCondLst>
-                      <p:childTnLst>
-                        <p:par>
-                          <p:cTn id="4" fill="hold">
-                            <p:stCondLst>
-                              <p:cond delay="0"/>
-                            </p:stCondLst>
-                            <p:childTnLst>
-                              <p:par>
-                                <p:cTn id="5" presetID="22" presetClass="entr" presetSubtype="1" fill="hold" nodeType="afterEffect">
-                                  <p:stCondLst>
-                                    <p:cond delay="0"/>
-                                  </p:stCondLst>
-                                  <p:childTnLst>
-                                    <p:set>
-                                      <p:cBhvr>
-                                        <p:cTn id="6" dur="1" fill="hold">
-                                          <p:stCondLst>
-                                            <p:cond delay="0"/>
-                                          </p:stCondLst>
-                                        </p:cTn>
-                                        <p:tgtEl>
-                                          <p:spTgt spid="2"/>
-                                        </p:tgtEl>
-                                        <p:attrNameLst>
-                                          <p:attrName>style.visibility</p:attrName>
-                                        </p:attrNameLst>
-                                      </p:cBhvr>
-                                      <p:to>
-                                        <p:strVal val="visible"/>
-                                      </p:to>
-                                    </p:set>
-                                    <p:animEffect transition="in" filter="wipe(up)">
-                                      <p:cBhvr>
-                                        <p:cTn id="7" dur="500"/>
-                                        <p:tgtEl>
-                                          <p:spTgt spid="2"/>
-                                        </p:tgtEl>
-                                      </p:cBhvr>
-                                    </p:animEffect>
-                                  </p:childTnLst>
-                                </p:cTn>
-                              </p:par>
-                            </p:childTnLst>
-                          </p:cTn>
-                        </p:par>
-                        <p:par>
-                          <p:cTn id="8" fill="hold">
-                            <p:stCondLst>
-                              <p:cond delay="500"/>
-                            </p:stCondLst>
-                            <p:childTnLst>
-                              <p:par>
-                                <p:cTn id="9" presetID="10" presetClass="entr" presetSubtype="0" fill="hold" grpId="0" nodeType="afterEffect">
-                                  <p:stCondLst>
-                                    <p:cond delay="0"/>
-                                  </p:stCondLst>
-                                  <p:childTnLst>
-                                    <p:set>
-                                      <p:cBhvr>
-                                        <p:cTn id="10" dur="1" fill="hold">
-                                          <p:stCondLst>
-                                            <p:cond delay="0"/>
-                                          </p:stCondLst>
-                                        </p:cTn>
-                                        <p:tgtEl>
-                                          <p:spTgt spid="8">
-                                            <p:txEl>
-                                              <p:pRg st="0" end="0"/>
-                                            </p:txEl>
-                                          </p:spTgt>
-                                        </p:tgtEl>
-                                        <p:attrNameLst>
-                                          <p:attrName>style.visibility</p:attrName>
-                                        </p:attrNameLst>
-                                      </p:cBhvr>
-                                      <p:to>
-                                        <p:strVal val="visible"/>
-                                      </p:to>
-                                    </p:set>
-                                    <p:animEffect transition="in" filter="fade">
-                                      <p:cBhvr>
-                                        <p:cTn id="11" dur="500"/>
-                                        <p:tgtEl>
-                                          <p:spTgt spid="8">
-                                            <p:txEl>
-                                              <p:pRg st="0" end="0"/>
-                                            </p:txEl>
-                                          </p:spTgt>
-                                        </p:tgtEl>
-                                      </p:cBhvr>
-                                    </p:animEffect>
-                                  </p:childTnLst>
-                                </p:cTn>
-                              </p:par>
-                            </p:childTnLst>
-                          </p:cTn>
-                        </p:par>
-                      </p:childTnLst>
-                    </p:cTn>
-                  </p:par>
-                </p:childTnLst>
-              </p:cTn>
-              <p:prevCondLst>
-                <p:cond evt="onPrev" delay="0">
-                  <p:tgtEl>
-                    <p:sldTgt/>
-                  </p:tgtEl>
-                </p:cond>
-              </p:prevCondLst>
-              <p:nextCondLst>
-                <p:cond evt="onNext" delay="0">
-                  <p:tgtEl>
-                    <p:sldTgt/>
-                  </p:tgtEl>
-                </p:cond>
-              </p:nextCondLst>
-            </p:seq>
-          </p:childTnLst>
-        </p:cTn>
-      </p:par>
-    </p:tnLst>
-    <p:bldLst>
-      <p:bldP spid="8" grpId="0" build="p"/>
-    </p:bldLst>
-  </p:timing>
 </p:sld>
 </file>
 
@@ -29074,16 +28678,6 @@
 </file>
 
 <file path=customXml/item2.xml><?xml version="1.0" encoding="utf-8"?>
-<p:properties xmlns:p="http://schemas.microsoft.com/office/2006/metadata/properties" xmlns:xsi="http://www.w3.org/2001/XMLSchema-instance" xmlns:pc="http://schemas.microsoft.com/office/infopath/2007/PartnerControls">
-  <documentManagement>
-    <Status xmlns="3D5A1351-83CF-45BD-AB30-2C1F7AE191BE">Final</Status>
-    <Content_x0020_Type xmlns="3D5A1351-83CF-45BD-AB30-2C1F7AE191BE">Slide Presentation</Content_x0020_Type>
-    <Module xmlns="3D5A1351-83CF-45BD-AB30-2C1F7AE191BE">1</Module>
-  </documentManagement>
-</p:properties>
-</file>
-
-<file path=customXml/item3.xml><?xml version="1.0" encoding="utf-8"?>
 <ct:contentTypeSchema xmlns:ct="http://schemas.microsoft.com/office/2006/metadata/contentType" xmlns:ma="http://schemas.microsoft.com/office/2006/metadata/properties/metaAttributes" ct:_="" ma:_="" ma:contentTypeName="Document" ma:contentTypeID="0x0101009AE468DA37CF8947B8096BD772FC41E8" ma:contentTypeVersion="" ma:contentTypeDescription="Create a new document." ma:contentTypeScope="" ma:versionID="954d86a6fc3cd1cb44b28cfacb5c41ef">
   <xsd:schema xmlns:xsd="http://www.w3.org/2001/XMLSchema" xmlns:xs="http://www.w3.org/2001/XMLSchema" xmlns:p="http://schemas.microsoft.com/office/2006/metadata/properties" xmlns:ns2="3D5A1351-83CF-45BD-AB30-2C1F7AE191BE" targetNamespace="http://schemas.microsoft.com/office/2006/metadata/properties" ma:root="true" ma:fieldsID="629d69f6531b7cace63b5ff27c477896" ns2:_="">
     <xsd:import namespace="3D5A1351-83CF-45BD-AB30-2C1F7AE191BE"/>
@@ -29235,6 +28829,16 @@
 </ct:contentTypeSchema>
 </file>
 
+<file path=customXml/item3.xml><?xml version="1.0" encoding="utf-8"?>
+<p:properties xmlns:p="http://schemas.microsoft.com/office/2006/metadata/properties" xmlns:xsi="http://www.w3.org/2001/XMLSchema-instance" xmlns:pc="http://schemas.microsoft.com/office/infopath/2007/PartnerControls">
+  <documentManagement>
+    <Status xmlns="3D5A1351-83CF-45BD-AB30-2C1F7AE191BE">Final</Status>
+    <Content_x0020_Type xmlns="3D5A1351-83CF-45BD-AB30-2C1F7AE191BE">Slide Presentation</Content_x0020_Type>
+    <Module xmlns="3D5A1351-83CF-45BD-AB30-2C1F7AE191BE">1</Module>
+  </documentManagement>
+</p:properties>
+</file>
+
 <file path=customXml/itemProps1.xml><?xml version="1.0" encoding="utf-8"?>
 <ds:datastoreItem xmlns:ds="http://schemas.openxmlformats.org/officeDocument/2006/customXml" ds:itemID="{B882D8D6-9D38-4159-A398-AAC3689D3D7C}">
   <ds:schemaRefs>
@@ -29244,22 +28848,6 @@
 </file>
 
 <file path=customXml/itemProps2.xml><?xml version="1.0" encoding="utf-8"?>
-<ds:datastoreItem xmlns:ds="http://schemas.openxmlformats.org/officeDocument/2006/customXml" ds:itemID="{69B2F97D-0457-4986-9734-D03EB073C5EA}">
-  <ds:schemaRefs>
-    <ds:schemaRef ds:uri="http://purl.org/dc/elements/1.1/"/>
-    <ds:schemaRef ds:uri="http://schemas.microsoft.com/office/2006/metadata/properties"/>
-    <ds:schemaRef ds:uri="3D5A1351-83CF-45BD-AB30-2C1F7AE191BE"/>
-    <ds:schemaRef ds:uri="http://schemas.openxmlformats.org/package/2006/metadata/core-properties"/>
-    <ds:schemaRef ds:uri="http://purl.org/dc/terms/"/>
-    <ds:schemaRef ds:uri="http://schemas.microsoft.com/office/2006/documentManagement/types"/>
-    <ds:schemaRef ds:uri="http://schemas.microsoft.com/office/infopath/2007/PartnerControls"/>
-    <ds:schemaRef ds:uri="http://www.w3.org/XML/1998/namespace"/>
-    <ds:schemaRef ds:uri="http://purl.org/dc/dcmitype/"/>
-  </ds:schemaRefs>
-</ds:datastoreItem>
-</file>
-
-<file path=customXml/itemProps3.xml><?xml version="1.0" encoding="utf-8"?>
 <ds:datastoreItem xmlns:ds="http://schemas.openxmlformats.org/officeDocument/2006/customXml" ds:itemID="{DE259DE6-3E5B-4E33-BF93-11A152954DA4}">
   <ds:schemaRefs>
     <ds:schemaRef ds:uri="http://schemas.microsoft.com/office/2006/metadata/contentType"/>
@@ -29275,4 +28863,20 @@
     <ds:schemaRef ds:uri="http://schemas.microsoft.com/internal/obd"/>
   </ds:schemaRefs>
 </ds:datastoreItem>
+</file>
+
+<file path=customXml/itemProps3.xml><?xml version="1.0" encoding="utf-8"?>
+<ds:datastoreItem xmlns:ds="http://schemas.openxmlformats.org/officeDocument/2006/customXml" ds:itemID="{69B2F97D-0457-4986-9734-D03EB073C5EA}">
+  <ds:schemaRefs>
+    <ds:schemaRef ds:uri="http://purl.org/dc/elements/1.1/"/>
+    <ds:schemaRef ds:uri="http://schemas.microsoft.com/office/2006/metadata/properties"/>
+    <ds:schemaRef ds:uri="3D5A1351-83CF-45BD-AB30-2C1F7AE191BE"/>
+    <ds:schemaRef ds:uri="http://schemas.openxmlformats.org/package/2006/metadata/core-properties"/>
+    <ds:schemaRef ds:uri="http://purl.org/dc/terms/"/>
+    <ds:schemaRef ds:uri="http://schemas.microsoft.com/office/2006/documentManagement/types"/>
+    <ds:schemaRef ds:uri="http://schemas.microsoft.com/office/infopath/2007/PartnerControls"/>
+    <ds:schemaRef ds:uri="http://www.w3.org/XML/1998/namespace"/>
+    <ds:schemaRef ds:uri="http://purl.org/dc/dcmitype/"/>
+  </ds:schemaRefs>
+</ds:datastoreItem>
 </file>
--- a/GAB PAAS 2018.pptx
+++ b/GAB PAAS 2018.pptx
@@ -28678,6 +28678,16 @@
 </file>
 
 <file path=customXml/item2.xml><?xml version="1.0" encoding="utf-8"?>
+<p:properties xmlns:p="http://schemas.microsoft.com/office/2006/metadata/properties" xmlns:xsi="http://www.w3.org/2001/XMLSchema-instance" xmlns:pc="http://schemas.microsoft.com/office/infopath/2007/PartnerControls">
+  <documentManagement>
+    <Status xmlns="3D5A1351-83CF-45BD-AB30-2C1F7AE191BE">Final</Status>
+    <Content_x0020_Type xmlns="3D5A1351-83CF-45BD-AB30-2C1F7AE191BE">Slide Presentation</Content_x0020_Type>
+    <Module xmlns="3D5A1351-83CF-45BD-AB30-2C1F7AE191BE">1</Module>
+  </documentManagement>
+</p:properties>
+</file>
+
+<file path=customXml/item3.xml><?xml version="1.0" encoding="utf-8"?>
 <ct:contentTypeSchema xmlns:ct="http://schemas.microsoft.com/office/2006/metadata/contentType" xmlns:ma="http://schemas.microsoft.com/office/2006/metadata/properties/metaAttributes" ct:_="" ma:_="" ma:contentTypeName="Document" ma:contentTypeID="0x0101009AE468DA37CF8947B8096BD772FC41E8" ma:contentTypeVersion="" ma:contentTypeDescription="Create a new document." ma:contentTypeScope="" ma:versionID="954d86a6fc3cd1cb44b28cfacb5c41ef">
   <xsd:schema xmlns:xsd="http://www.w3.org/2001/XMLSchema" xmlns:xs="http://www.w3.org/2001/XMLSchema" xmlns:p="http://schemas.microsoft.com/office/2006/metadata/properties" xmlns:ns2="3D5A1351-83CF-45BD-AB30-2C1F7AE191BE" targetNamespace="http://schemas.microsoft.com/office/2006/metadata/properties" ma:root="true" ma:fieldsID="629d69f6531b7cace63b5ff27c477896" ns2:_="">
     <xsd:import namespace="3D5A1351-83CF-45BD-AB30-2C1F7AE191BE"/>
@@ -28829,16 +28839,6 @@
 </ct:contentTypeSchema>
 </file>
 
-<file path=customXml/item3.xml><?xml version="1.0" encoding="utf-8"?>
-<p:properties xmlns:p="http://schemas.microsoft.com/office/2006/metadata/properties" xmlns:xsi="http://www.w3.org/2001/XMLSchema-instance" xmlns:pc="http://schemas.microsoft.com/office/infopath/2007/PartnerControls">
-  <documentManagement>
-    <Status xmlns="3D5A1351-83CF-45BD-AB30-2C1F7AE191BE">Final</Status>
-    <Content_x0020_Type xmlns="3D5A1351-83CF-45BD-AB30-2C1F7AE191BE">Slide Presentation</Content_x0020_Type>
-    <Module xmlns="3D5A1351-83CF-45BD-AB30-2C1F7AE191BE">1</Module>
-  </documentManagement>
-</p:properties>
-</file>
-
 <file path=customXml/itemProps1.xml><?xml version="1.0" encoding="utf-8"?>
 <ds:datastoreItem xmlns:ds="http://schemas.openxmlformats.org/officeDocument/2006/customXml" ds:itemID="{B882D8D6-9D38-4159-A398-AAC3689D3D7C}">
   <ds:schemaRefs>
@@ -28848,6 +28848,22 @@
 </file>
 
 <file path=customXml/itemProps2.xml><?xml version="1.0" encoding="utf-8"?>
+<ds:datastoreItem xmlns:ds="http://schemas.openxmlformats.org/officeDocument/2006/customXml" ds:itemID="{69B2F97D-0457-4986-9734-D03EB073C5EA}">
+  <ds:schemaRefs>
+    <ds:schemaRef ds:uri="http://purl.org/dc/terms/"/>
+    <ds:schemaRef ds:uri="http://schemas.openxmlformats.org/package/2006/metadata/core-properties"/>
+    <ds:schemaRef ds:uri="http://purl.org/dc/dcmitype/"/>
+    <ds:schemaRef ds:uri="http://schemas.microsoft.com/office/2006/documentManagement/types"/>
+    <ds:schemaRef ds:uri="http://purl.org/dc/elements/1.1/"/>
+    <ds:schemaRef ds:uri="http://schemas.microsoft.com/office/2006/metadata/properties"/>
+    <ds:schemaRef ds:uri="http://schemas.microsoft.com/office/infopath/2007/PartnerControls"/>
+    <ds:schemaRef ds:uri="3D5A1351-83CF-45BD-AB30-2C1F7AE191BE"/>
+    <ds:schemaRef ds:uri="http://www.w3.org/XML/1998/namespace"/>
+  </ds:schemaRefs>
+</ds:datastoreItem>
+</file>
+
+<file path=customXml/itemProps3.xml><?xml version="1.0" encoding="utf-8"?>
 <ds:datastoreItem xmlns:ds="http://schemas.openxmlformats.org/officeDocument/2006/customXml" ds:itemID="{DE259DE6-3E5B-4E33-BF93-11A152954DA4}">
   <ds:schemaRefs>
     <ds:schemaRef ds:uri="http://schemas.microsoft.com/office/2006/metadata/contentType"/>
@@ -28863,20 +28879,4 @@
     <ds:schemaRef ds:uri="http://schemas.microsoft.com/internal/obd"/>
   </ds:schemaRefs>
 </ds:datastoreItem>
-</file>
-
-<file path=customXml/itemProps3.xml><?xml version="1.0" encoding="utf-8"?>
-<ds:datastoreItem xmlns:ds="http://schemas.openxmlformats.org/officeDocument/2006/customXml" ds:itemID="{69B2F97D-0457-4986-9734-D03EB073C5EA}">
-  <ds:schemaRefs>
-    <ds:schemaRef ds:uri="http://purl.org/dc/elements/1.1/"/>
-    <ds:schemaRef ds:uri="http://schemas.microsoft.com/office/2006/metadata/properties"/>
-    <ds:schemaRef ds:uri="3D5A1351-83CF-45BD-AB30-2C1F7AE191BE"/>
-    <ds:schemaRef ds:uri="http://schemas.openxmlformats.org/package/2006/metadata/core-properties"/>
-    <ds:schemaRef ds:uri="http://purl.org/dc/terms/"/>
-    <ds:schemaRef ds:uri="http://schemas.microsoft.com/office/2006/documentManagement/types"/>
-    <ds:schemaRef ds:uri="http://schemas.microsoft.com/office/infopath/2007/PartnerControls"/>
-    <ds:schemaRef ds:uri="http://www.w3.org/XML/1998/namespace"/>
-    <ds:schemaRef ds:uri="http://purl.org/dc/dcmitype/"/>
-  </ds:schemaRefs>
-</ds:datastoreItem>
 </file>